--- a/presentation/Transformer_Udemy/Udemy_P7_Serving LLM web applications.pptx
+++ b/presentation/Transformer_Udemy/Udemy_P7_Serving LLM web applications.pptx
@@ -230,7 +230,7 @@
           <a:p>
             <a:fld id="{83E62246-8680-4D4D-A3BD-0C5BFD468F61}" type="datetimeFigureOut">
               <a:rPr lang="en-US" smtClean="0"/>
-              <a:t>6/25/2024</a:t>
+              <a:t>6/28/2024</a:t>
             </a:fld>
             <a:endParaRPr lang="en-US"/>
           </a:p>
@@ -646,7 +646,7 @@
           <a:p>
             <a:fld id="{DE15CBC1-10D1-4E1D-B7D3-1A6D6027583C}" type="datetimeFigureOut">
               <a:rPr lang="en-US" smtClean="0"/>
-              <a:t>6/25/2024</a:t>
+              <a:t>6/28/2024</a:t>
             </a:fld>
             <a:endParaRPr lang="en-US"/>
           </a:p>
@@ -844,7 +844,7 @@
           <a:p>
             <a:fld id="{DE15CBC1-10D1-4E1D-B7D3-1A6D6027583C}" type="datetimeFigureOut">
               <a:rPr lang="en-US" smtClean="0"/>
-              <a:t>6/25/2024</a:t>
+              <a:t>6/28/2024</a:t>
             </a:fld>
             <a:endParaRPr lang="en-US"/>
           </a:p>
@@ -1052,7 +1052,7 @@
           <a:p>
             <a:fld id="{DE15CBC1-10D1-4E1D-B7D3-1A6D6027583C}" type="datetimeFigureOut">
               <a:rPr lang="en-US" smtClean="0"/>
-              <a:t>6/25/2024</a:t>
+              <a:t>6/28/2024</a:t>
             </a:fld>
             <a:endParaRPr lang="en-US"/>
           </a:p>
@@ -1252,7 +1252,7 @@
           <a:p>
             <a:fld id="{DE15CBC1-10D1-4E1D-B7D3-1A6D6027583C}" type="datetimeFigureOut">
               <a:rPr lang="en-US" smtClean="0"/>
-              <a:t>6/25/2024</a:t>
+              <a:t>6/28/2024</a:t>
             </a:fld>
             <a:endParaRPr lang="en-US"/>
           </a:p>
@@ -1528,7 +1528,7 @@
           <a:p>
             <a:fld id="{DE15CBC1-10D1-4E1D-B7D3-1A6D6027583C}" type="datetimeFigureOut">
               <a:rPr lang="en-US" smtClean="0"/>
-              <a:t>6/25/2024</a:t>
+              <a:t>6/28/2024</a:t>
             </a:fld>
             <a:endParaRPr lang="en-US"/>
           </a:p>
@@ -1793,7 +1793,7 @@
           <a:p>
             <a:fld id="{DE15CBC1-10D1-4E1D-B7D3-1A6D6027583C}" type="datetimeFigureOut">
               <a:rPr lang="en-US" smtClean="0"/>
-              <a:t>6/25/2024</a:t>
+              <a:t>6/28/2024</a:t>
             </a:fld>
             <a:endParaRPr lang="en-US"/>
           </a:p>
@@ -2205,7 +2205,7 @@
           <a:p>
             <a:fld id="{DE15CBC1-10D1-4E1D-B7D3-1A6D6027583C}" type="datetimeFigureOut">
               <a:rPr lang="en-US" smtClean="0"/>
-              <a:t>6/25/2024</a:t>
+              <a:t>6/28/2024</a:t>
             </a:fld>
             <a:endParaRPr lang="en-US"/>
           </a:p>
@@ -2346,7 +2346,7 @@
           <a:p>
             <a:fld id="{DE15CBC1-10D1-4E1D-B7D3-1A6D6027583C}" type="datetimeFigureOut">
               <a:rPr lang="en-US" smtClean="0"/>
-              <a:t>6/25/2024</a:t>
+              <a:t>6/28/2024</a:t>
             </a:fld>
             <a:endParaRPr lang="en-US"/>
           </a:p>
@@ -2459,7 +2459,7 @@
           <a:p>
             <a:fld id="{DE15CBC1-10D1-4E1D-B7D3-1A6D6027583C}" type="datetimeFigureOut">
               <a:rPr lang="en-US" smtClean="0"/>
-              <a:t>6/25/2024</a:t>
+              <a:t>6/28/2024</a:t>
             </a:fld>
             <a:endParaRPr lang="en-US"/>
           </a:p>
@@ -2770,7 +2770,7 @@
           <a:p>
             <a:fld id="{DE15CBC1-10D1-4E1D-B7D3-1A6D6027583C}" type="datetimeFigureOut">
               <a:rPr lang="en-US" smtClean="0"/>
-              <a:t>6/25/2024</a:t>
+              <a:t>6/28/2024</a:t>
             </a:fld>
             <a:endParaRPr lang="en-US"/>
           </a:p>
@@ -3061,7 +3061,7 @@
           <a:p>
             <a:fld id="{DE15CBC1-10D1-4E1D-B7D3-1A6D6027583C}" type="datetimeFigureOut">
               <a:rPr lang="en-US" smtClean="0"/>
-              <a:t>6/25/2024</a:t>
+              <a:t>6/28/2024</a:t>
             </a:fld>
             <a:endParaRPr lang="en-US"/>
           </a:p>
@@ -3303,7 +3303,7 @@
             <a:fld id="{DE15CBC1-10D1-4E1D-B7D3-1A6D6027583C}" type="datetimeFigureOut">
               <a:rPr lang="en-US" smtClean="0"/>
               <a:pPr/>
-              <a:t>6/25/2024</a:t>
+              <a:t>6/28/2024</a:t>
             </a:fld>
             <a:endParaRPr lang="en-US"/>
           </a:p>
